--- a/random_quiz_with_lilac.pptx
+++ b/random_quiz_with_lilac.pptx
@@ -5,10 +5,11 @@
     <p:sldMasterId id="2147483707" r:id="rId1"/>
   </p:sldMasterIdLst>
   <p:sldIdLst>
-    <p:sldId id="257" r:id="rId2"/>
-    <p:sldId id="258" r:id="rId3"/>
-    <p:sldId id="259" r:id="rId4"/>
-    <p:sldId id="260" r:id="rId5"/>
+    <p:sldId id="256" r:id="rId2"/>
+    <p:sldId id="257" r:id="rId7"/>
+    <p:sldId id="258" r:id="rId8"/>
+    <p:sldId id="259" r:id="rId9"/>
+    <p:sldId id="260" r:id="rId10"/>
   </p:sldIdLst>
   <p:sldSz cx="12192000" cy="6858000"/>
   <p:notesSz cx="6858000" cy="9144000"/>
@@ -107,11 +108,6 @@
       </a:defRPr>
     </a:lvl9pPr>
   </p:defaultTextStyle>
-  <p:extLst>
-    <p:ext uri="{EFAFB233-063F-42B5-8137-9DF3F51BA10A}">
-      <p15:sldGuideLst xmlns:p15="http://schemas.microsoft.com/office/powerpoint/2012/main"/>
-    </p:ext>
-  </p:extLst>
 </p:presentation>
 </file>
 
@@ -6140,6 +6136,29 @@
           <a:chExt cx="0" cy="0"/>
         </a:xfrm>
       </p:grpSpPr>
+    </p:spTree>
+    <p:extLst>
+      <p:ext uri="{BB962C8B-B14F-4D97-AF65-F5344CB8AC3E}">
+        <p14:creationId xmlns:p14="http://schemas.microsoft.com/office/powerpoint/2010/main" val="1846546702"/>
+      </p:ext>
+    </p:extLst>
+  </p:cSld>
+  <p:clrMapOvr>
+    <a:masterClrMapping/>
+  </p:clrMapOvr>
+</p:sld>
+</file>
+
+<file path=ppt/slides/slide2.xml><?xml version="1.0" encoding="utf-8"?>
+<p:sld xmlns:a="http://schemas.openxmlformats.org/drawingml/2006/main" xmlns:p="http://schemas.openxmlformats.org/presentationml/2006/main" xmlns:r="http://schemas.openxmlformats.org/officeDocument/2006/relationships">
+  <p:cSld>
+    <p:spTree>
+      <p:nvGrpSpPr>
+        <p:cNvPr id="1" name=""/>
+        <p:cNvGrpSpPr/>
+        <p:nvPr/>
+      </p:nvGrpSpPr>
+      <p:grpSpPr/>
       <p:sp>
         <p:nvSpPr>
           <p:cNvPr id="2" name="Title 1"/>
@@ -6175,9 +6194,7 @@
         <p:txBody>
           <a:bodyPr/>
           <a:lstStyle/>
-          <a:p>
-            <a:endParaRPr/>
-          </a:p>
+          <a:p/>
         </p:txBody>
       </p:sp>
     </p:spTree>
@@ -6188,8 +6205,8 @@
 </p:sld>
 </file>
 
-<file path=ppt/slides/slide2.xml><?xml version="1.0" encoding="utf-8"?>
-<p:sld xmlns:a="http://schemas.openxmlformats.org/drawingml/2006/main" xmlns:r="http://schemas.openxmlformats.org/officeDocument/2006/relationships" xmlns:p="http://schemas.openxmlformats.org/presentationml/2006/main">
+<file path=ppt/slides/slide3.xml><?xml version="1.0" encoding="utf-8"?>
+<p:sld xmlns:a="http://schemas.openxmlformats.org/drawingml/2006/main" xmlns:p="http://schemas.openxmlformats.org/presentationml/2006/main" xmlns:r="http://schemas.openxmlformats.org/officeDocument/2006/relationships">
   <p:cSld>
     <p:spTree>
       <p:nvGrpSpPr>
@@ -6197,14 +6214,7 @@
         <p:cNvGrpSpPr/>
         <p:nvPr/>
       </p:nvGrpSpPr>
-      <p:grpSpPr>
-        <a:xfrm>
-          <a:off x="0" y="0"/>
-          <a:ext cx="0" cy="0"/>
-          <a:chOff x="0" y="0"/>
-          <a:chExt cx="0" cy="0"/>
-        </a:xfrm>
-      </p:grpSpPr>
+      <p:grpSpPr/>
       <p:sp>
         <p:nvSpPr>
           <p:cNvPr id="2" name="Title 1"/>
@@ -6271,10 +6281,11 @@
             <a:spAutoFit/>
           </a:bodyPr>
           <a:lstStyle/>
-          <a:p>
-            <a:endParaRPr/>
-          </a:p>
-          <a:p>
+          <a:p/>
+          <a:p>
+            <a:pPr>
+              <a:defRPr sz="3500"/>
+            </a:pPr>
             <a:r>
               <a:t>Answer: H2O</a:t>
             </a:r>
@@ -6289,8 +6300,8 @@
 </p:sld>
 </file>
 
-<file path=ppt/slides/slide3.xml><?xml version="1.0" encoding="utf-8"?>
-<p:sld xmlns:a="http://schemas.openxmlformats.org/drawingml/2006/main" xmlns:r="http://schemas.openxmlformats.org/officeDocument/2006/relationships" xmlns:p="http://schemas.openxmlformats.org/presentationml/2006/main">
+<file path=ppt/slides/slide4.xml><?xml version="1.0" encoding="utf-8"?>
+<p:sld xmlns:a="http://schemas.openxmlformats.org/drawingml/2006/main" xmlns:p="http://schemas.openxmlformats.org/presentationml/2006/main" xmlns:r="http://schemas.openxmlformats.org/officeDocument/2006/relationships">
   <p:cSld>
     <p:spTree>
       <p:nvGrpSpPr>
@@ -6298,14 +6309,102 @@
         <p:cNvGrpSpPr/>
         <p:nvPr/>
       </p:nvGrpSpPr>
-      <p:grpSpPr>
-        <a:xfrm>
-          <a:off x="0" y="0"/>
-          <a:ext cx="0" cy="0"/>
-          <a:chOff x="0" y="0"/>
-          <a:chExt cx="0" cy="0"/>
-        </a:xfrm>
-      </p:grpSpPr>
+      <p:grpSpPr/>
+      <p:sp>
+        <p:nvSpPr>
+          <p:cNvPr id="2" name="Title 1"/>
+          <p:cNvSpPr>
+            <a:spLocks noGrp="1"/>
+          </p:cNvSpPr>
+          <p:nvPr>
+            <p:ph type="title"/>
+          </p:nvPr>
+        </p:nvSpPr>
+        <p:spPr/>
+        <p:txBody>
+          <a:bodyPr/>
+          <a:lstStyle/>
+          <a:p>
+            <a:r>
+              <a:t>Question: Who wrote 'To Kill a Mockingbird'?</a:t>
+            </a:r>
+          </a:p>
+        </p:txBody>
+      </p:sp>
+      <p:pic>
+        <p:nvPicPr>
+          <p:cNvPr id="3" name="Picture 2" descr="harper_lee.jpg"/>
+          <p:cNvPicPr>
+            <a:picLocks noChangeAspect="1"/>
+          </p:cNvPicPr>
+          <p:nvPr/>
+        </p:nvPicPr>
+        <p:blipFill>
+          <a:blip r:embed="rId2"/>
+          <a:stretch>
+            <a:fillRect/>
+          </a:stretch>
+        </p:blipFill>
+        <p:spPr>
+          <a:xfrm>
+            <a:off x="4572000" y="1828800"/>
+            <a:ext cx="2743200" cy="2743200"/>
+          </a:xfrm>
+          <a:prstGeom prst="rect">
+            <a:avLst/>
+          </a:prstGeom>
+        </p:spPr>
+      </p:pic>
+      <p:sp>
+        <p:nvSpPr>
+          <p:cNvPr id="4" name="TextBox 3"/>
+          <p:cNvSpPr txBox="1"/>
+          <p:nvPr/>
+        </p:nvSpPr>
+        <p:spPr>
+          <a:xfrm>
+            <a:off x="914400" y="1828800"/>
+            <a:ext cx="7315200" cy="1371600"/>
+          </a:xfrm>
+          <a:prstGeom prst="rect">
+            <a:avLst/>
+          </a:prstGeom>
+          <a:noFill/>
+        </p:spPr>
+        <p:txBody>
+          <a:bodyPr wrap="none">
+            <a:spAutoFit/>
+          </a:bodyPr>
+          <a:lstStyle/>
+          <a:p/>
+          <a:p>
+            <a:pPr>
+              <a:defRPr sz="3500"/>
+            </a:pPr>
+            <a:r>
+              <a:t>Answer: Harper Lee</a:t>
+            </a:r>
+          </a:p>
+        </p:txBody>
+      </p:sp>
+    </p:spTree>
+  </p:cSld>
+  <p:clrMapOvr>
+    <a:masterClrMapping/>
+  </p:clrMapOvr>
+</p:sld>
+</file>
+
+<file path=ppt/slides/slide5.xml><?xml version="1.0" encoding="utf-8"?>
+<p:sld xmlns:a="http://schemas.openxmlformats.org/drawingml/2006/main" xmlns:p="http://schemas.openxmlformats.org/presentationml/2006/main" xmlns:r="http://schemas.openxmlformats.org/officeDocument/2006/relationships">
+  <p:cSld>
+    <p:spTree>
+      <p:nvGrpSpPr>
+        <p:cNvPr id="1" name=""/>
+        <p:cNvGrpSpPr/>
+        <p:nvPr/>
+      </p:nvGrpSpPr>
+      <p:grpSpPr/>
       <p:sp>
         <p:nvSpPr>
           <p:cNvPr id="2" name="Title 1"/>
@@ -6372,113 +6471,13 @@
             <a:spAutoFit/>
           </a:bodyPr>
           <a:lstStyle/>
-          <a:p>
-            <a:endParaRPr/>
-          </a:p>
-          <a:p>
+          <a:p/>
+          <a:p>
+            <a:pPr>
+              <a:defRPr sz="3500"/>
+            </a:pPr>
             <a:r>
               <a:t>Answer: Paris</a:t>
-            </a:r>
-          </a:p>
-        </p:txBody>
-      </p:sp>
-    </p:spTree>
-  </p:cSld>
-  <p:clrMapOvr>
-    <a:masterClrMapping/>
-  </p:clrMapOvr>
-</p:sld>
-</file>
-
-<file path=ppt/slides/slide4.xml><?xml version="1.0" encoding="utf-8"?>
-<p:sld xmlns:a="http://schemas.openxmlformats.org/drawingml/2006/main" xmlns:r="http://schemas.openxmlformats.org/officeDocument/2006/relationships" xmlns:p="http://schemas.openxmlformats.org/presentationml/2006/main">
-  <p:cSld>
-    <p:spTree>
-      <p:nvGrpSpPr>
-        <p:cNvPr id="1" name=""/>
-        <p:cNvGrpSpPr/>
-        <p:nvPr/>
-      </p:nvGrpSpPr>
-      <p:grpSpPr>
-        <a:xfrm>
-          <a:off x="0" y="0"/>
-          <a:ext cx="0" cy="0"/>
-          <a:chOff x="0" y="0"/>
-          <a:chExt cx="0" cy="0"/>
-        </a:xfrm>
-      </p:grpSpPr>
-      <p:sp>
-        <p:nvSpPr>
-          <p:cNvPr id="2" name="Title 1"/>
-          <p:cNvSpPr>
-            <a:spLocks noGrp="1"/>
-          </p:cNvSpPr>
-          <p:nvPr>
-            <p:ph type="title"/>
-          </p:nvPr>
-        </p:nvSpPr>
-        <p:spPr/>
-        <p:txBody>
-          <a:bodyPr/>
-          <a:lstStyle/>
-          <a:p>
-            <a:r>
-              <a:t>Question: Who wrote 'To Kill a Mockingbird'?</a:t>
-            </a:r>
-          </a:p>
-        </p:txBody>
-      </p:sp>
-      <p:pic>
-        <p:nvPicPr>
-          <p:cNvPr id="3" name="Picture 2" descr="harper_lee.jpg"/>
-          <p:cNvPicPr>
-            <a:picLocks noChangeAspect="1"/>
-          </p:cNvPicPr>
-          <p:nvPr/>
-        </p:nvPicPr>
-        <p:blipFill>
-          <a:blip r:embed="rId2"/>
-          <a:stretch>
-            <a:fillRect/>
-          </a:stretch>
-        </p:blipFill>
-        <p:spPr>
-          <a:xfrm>
-            <a:off x="4572000" y="1828800"/>
-            <a:ext cx="2743200" cy="2743200"/>
-          </a:xfrm>
-          <a:prstGeom prst="rect">
-            <a:avLst/>
-          </a:prstGeom>
-        </p:spPr>
-      </p:pic>
-      <p:sp>
-        <p:nvSpPr>
-          <p:cNvPr id="4" name="TextBox 3"/>
-          <p:cNvSpPr txBox="1"/>
-          <p:nvPr/>
-        </p:nvSpPr>
-        <p:spPr>
-          <a:xfrm>
-            <a:off x="914400" y="1828800"/>
-            <a:ext cx="7315200" cy="1371600"/>
-          </a:xfrm>
-          <a:prstGeom prst="rect">
-            <a:avLst/>
-          </a:prstGeom>
-          <a:noFill/>
-        </p:spPr>
-        <p:txBody>
-          <a:bodyPr wrap="none">
-            <a:spAutoFit/>
-          </a:bodyPr>
-          <a:lstStyle/>
-          <a:p>
-            <a:endParaRPr/>
-          </a:p>
-          <a:p>
-            <a:r>
-              <a:t>Answer: Harper Lee</a:t>
             </a:r>
           </a:p>
         </p:txBody>
